--- a/DART.pptx
+++ b/DART.pptx
@@ -7,15 +7,21 @@
   <p:sldIdLst>
     <p:sldId id="256" r:id="rId2"/>
     <p:sldId id="257" r:id="rId3"/>
-    <p:sldId id="258" r:id="rId4"/>
-    <p:sldId id="259" r:id="rId5"/>
-    <p:sldId id="260" r:id="rId6"/>
-    <p:sldId id="261" r:id="rId7"/>
-    <p:sldId id="262" r:id="rId8"/>
-    <p:sldId id="263" r:id="rId9"/>
-    <p:sldId id="264" r:id="rId10"/>
-    <p:sldId id="265" r:id="rId11"/>
-    <p:sldId id="266" r:id="rId12"/>
+    <p:sldId id="271" r:id="rId4"/>
+    <p:sldId id="276" r:id="rId5"/>
+    <p:sldId id="258" r:id="rId6"/>
+    <p:sldId id="259" r:id="rId7"/>
+    <p:sldId id="261" r:id="rId8"/>
+    <p:sldId id="262" r:id="rId9"/>
+    <p:sldId id="263" r:id="rId10"/>
+    <p:sldId id="264" r:id="rId11"/>
+    <p:sldId id="265" r:id="rId12"/>
+    <p:sldId id="266" r:id="rId13"/>
+    <p:sldId id="260" r:id="rId14"/>
+    <p:sldId id="267" r:id="rId15"/>
+    <p:sldId id="268" r:id="rId16"/>
+    <p:sldId id="269" r:id="rId17"/>
+    <p:sldId id="270" r:id="rId18"/>
   </p:sldIdLst>
   <p:sldSz cx="12192000" cy="6858000"/>
   <p:notesSz cx="6858000" cy="9144000"/>
@@ -114,6 +120,11 @@
       </a:defRPr>
     </a:lvl9pPr>
   </p:defaultTextStyle>
+  <p:extLst>
+    <p:ext uri="{EFAFB233-063F-42B5-8137-9DF3F51BA10A}">
+      <p15:sldGuideLst xmlns:p15="http://schemas.microsoft.com/office/powerpoint/2012/main"/>
+    </p:ext>
+  </p:extLst>
 </p:presentation>
 </file>
 
@@ -264,7 +275,7 @@
           <a:p>
             <a:fld id="{F36697FB-CA66-9645-BC77-95CD6A39B199}" type="datetimeFigureOut">
               <a:rPr lang="en-US" smtClean="0"/>
-              <a:t>1/14/20</a:t>
+              <a:t>1/22/20</a:t>
             </a:fld>
             <a:endParaRPr lang="en-US"/>
           </a:p>
@@ -462,7 +473,7 @@
           <a:p>
             <a:fld id="{F36697FB-CA66-9645-BC77-95CD6A39B199}" type="datetimeFigureOut">
               <a:rPr lang="en-US" smtClean="0"/>
-              <a:t>1/14/20</a:t>
+              <a:t>1/22/20</a:t>
             </a:fld>
             <a:endParaRPr lang="en-US"/>
           </a:p>
@@ -670,7 +681,7 @@
           <a:p>
             <a:fld id="{F36697FB-CA66-9645-BC77-95CD6A39B199}" type="datetimeFigureOut">
               <a:rPr lang="en-US" smtClean="0"/>
-              <a:t>1/14/20</a:t>
+              <a:t>1/22/20</a:t>
             </a:fld>
             <a:endParaRPr lang="en-US"/>
           </a:p>
@@ -868,7 +879,7 @@
           <a:p>
             <a:fld id="{F36697FB-CA66-9645-BC77-95CD6A39B199}" type="datetimeFigureOut">
               <a:rPr lang="en-US" smtClean="0"/>
-              <a:t>1/14/20</a:t>
+              <a:t>1/22/20</a:t>
             </a:fld>
             <a:endParaRPr lang="en-US"/>
           </a:p>
@@ -1143,7 +1154,7 @@
           <a:p>
             <a:fld id="{F36697FB-CA66-9645-BC77-95CD6A39B199}" type="datetimeFigureOut">
               <a:rPr lang="en-US" smtClean="0"/>
-              <a:t>1/14/20</a:t>
+              <a:t>1/22/20</a:t>
             </a:fld>
             <a:endParaRPr lang="en-US"/>
           </a:p>
@@ -1408,7 +1419,7 @@
           <a:p>
             <a:fld id="{F36697FB-CA66-9645-BC77-95CD6A39B199}" type="datetimeFigureOut">
               <a:rPr lang="en-US" smtClean="0"/>
-              <a:t>1/14/20</a:t>
+              <a:t>1/22/20</a:t>
             </a:fld>
             <a:endParaRPr lang="en-US"/>
           </a:p>
@@ -1820,7 +1831,7 @@
           <a:p>
             <a:fld id="{F36697FB-CA66-9645-BC77-95CD6A39B199}" type="datetimeFigureOut">
               <a:rPr lang="en-US" smtClean="0"/>
-              <a:t>1/14/20</a:t>
+              <a:t>1/22/20</a:t>
             </a:fld>
             <a:endParaRPr lang="en-US"/>
           </a:p>
@@ -1961,7 +1972,7 @@
           <a:p>
             <a:fld id="{F36697FB-CA66-9645-BC77-95CD6A39B199}" type="datetimeFigureOut">
               <a:rPr lang="en-US" smtClean="0"/>
-              <a:t>1/14/20</a:t>
+              <a:t>1/22/20</a:t>
             </a:fld>
             <a:endParaRPr lang="en-US"/>
           </a:p>
@@ -2074,7 +2085,7 @@
           <a:p>
             <a:fld id="{F36697FB-CA66-9645-BC77-95CD6A39B199}" type="datetimeFigureOut">
               <a:rPr lang="en-US" smtClean="0"/>
-              <a:t>1/14/20</a:t>
+              <a:t>1/22/20</a:t>
             </a:fld>
             <a:endParaRPr lang="en-US"/>
           </a:p>
@@ -2385,7 +2396,7 @@
           <a:p>
             <a:fld id="{F36697FB-CA66-9645-BC77-95CD6A39B199}" type="datetimeFigureOut">
               <a:rPr lang="en-US" smtClean="0"/>
-              <a:t>1/14/20</a:t>
+              <a:t>1/22/20</a:t>
             </a:fld>
             <a:endParaRPr lang="en-US"/>
           </a:p>
@@ -2673,7 +2684,7 @@
           <a:p>
             <a:fld id="{F36697FB-CA66-9645-BC77-95CD6A39B199}" type="datetimeFigureOut">
               <a:rPr lang="en-US" smtClean="0"/>
-              <a:t>1/14/20</a:t>
+              <a:t>1/22/20</a:t>
             </a:fld>
             <a:endParaRPr lang="en-US"/>
           </a:p>
@@ -2914,7 +2925,7 @@
           <a:p>
             <a:fld id="{F36697FB-CA66-9645-BC77-95CD6A39B199}" type="datetimeFigureOut">
               <a:rPr lang="en-US" smtClean="0"/>
-              <a:t>1/14/20</a:t>
+              <a:t>1/22/20</a:t>
             </a:fld>
             <a:endParaRPr lang="en-US"/>
           </a:p>
@@ -3425,7 +3436,7 @@
           <p:cNvPr id="2" name="Title 1">
             <a:extLst>
               <a:ext uri="{FF2B5EF4-FFF2-40B4-BE49-F238E27FC236}">
-                <a16:creationId xmlns:a16="http://schemas.microsoft.com/office/drawing/2014/main" id="{60C17CF5-974D-BF4A-B07F-402B6063DAFC}"/>
+                <a16:creationId xmlns:a16="http://schemas.microsoft.com/office/drawing/2014/main" id="{1DB785E2-EF5C-7F4C-AB25-39CEB5B266D8}"/>
               </a:ext>
             </a:extLst>
           </p:cNvPr>
@@ -3443,7 +3454,7 @@
           <a:p>
             <a:r>
               <a:rPr lang="en-US" dirty="0"/>
-              <a:t>while</a:t>
+              <a:t>for in </a:t>
             </a:r>
           </a:p>
         </p:txBody>
@@ -3453,7 +3464,7 @@
           <p:cNvPr id="3" name="Content Placeholder 2">
             <a:extLst>
               <a:ext uri="{FF2B5EF4-FFF2-40B4-BE49-F238E27FC236}">
-                <a16:creationId xmlns:a16="http://schemas.microsoft.com/office/drawing/2014/main" id="{7160459A-AD38-7145-BF8F-FEDB7A5AC627}"/>
+                <a16:creationId xmlns:a16="http://schemas.microsoft.com/office/drawing/2014/main" id="{456E9FE6-9B7F-0F43-86A7-30B6C3F50A5A}"/>
               </a:ext>
             </a:extLst>
           </p:cNvPr>
@@ -3466,35 +3477,24 @@
         </p:nvSpPr>
         <p:spPr/>
         <p:txBody>
-          <a:bodyPr>
-            <a:normAutofit lnSpcReduction="10000"/>
-          </a:bodyPr>
-          <a:lstStyle/>
-          <a:p>
-            <a:pPr marL="0" indent="0">
-              <a:buNone/>
-            </a:pPr>
-            <a:r>
-              <a:rPr lang="en-US" dirty="0"/>
-              <a:t>void main()</a:t>
-            </a:r>
-          </a:p>
-          <a:p>
-            <a:pPr marL="0" indent="0">
-              <a:buNone/>
-            </a:pPr>
-            <a:r>
-              <a:rPr lang="en-US" dirty="0"/>
-              <a:t>{</a:t>
-            </a:r>
-          </a:p>
-          <a:p>
-            <a:pPr marL="0" indent="0">
-              <a:buNone/>
-            </a:pPr>
-            <a:r>
-              <a:rPr lang="en-US" dirty="0"/>
-              <a:t>    </a:t>
+          <a:bodyPr/>
+          <a:lstStyle/>
+          <a:p>
+            <a:pPr marL="0" indent="0">
+              <a:buNone/>
+            </a:pPr>
+            <a:r>
+              <a:rPr lang="en-US" dirty="0"/>
+              <a:t>void main() { </a:t>
+            </a:r>
+          </a:p>
+          <a:p>
+            <a:pPr marL="0" indent="0">
+              <a:buNone/>
+            </a:pPr>
+            <a:r>
+              <a:rPr lang="en-US" dirty="0"/>
+              <a:t>  </a:t>
             </a:r>
             <a:r>
               <a:rPr lang="en-US" dirty="0" err="1"/>
@@ -3502,6 +3502,23 @@
             </a:r>
             <a:r>
               <a:rPr lang="en-US" dirty="0"/>
+              <a:t> counter = [11,12,13,14,15]; </a:t>
+            </a:r>
+          </a:p>
+          <a:p>
+            <a:pPr marL="0" indent="0">
+              <a:buNone/>
+            </a:pPr>
+            <a:r>
+              <a:rPr lang="en-US" dirty="0"/>
+              <a:t>   for (</a:t>
+            </a:r>
+            <a:r>
+              <a:rPr lang="en-US" dirty="0" err="1"/>
+              <a:t>var</a:t>
+            </a:r>
+            <a:r>
+              <a:rPr lang="en-US" dirty="0"/>
               <a:t> </a:t>
             </a:r>
             <a:r>
@@ -3510,41 +3527,16 @@
             </a:r>
             <a:r>
               <a:rPr lang="en-US" dirty="0"/>
-              <a:t> =1;</a:t>
-            </a:r>
-          </a:p>
-          <a:p>
-            <a:pPr marL="0" indent="0">
-              <a:buNone/>
-            </a:pPr>
-            <a:r>
-              <a:rPr lang="en-US" dirty="0"/>
-              <a:t>    </a:t>
-            </a:r>
-            <a:r>
-              <a:rPr lang="en-US" dirty="0" err="1"/>
-              <a:t>var</a:t>
-            </a:r>
-            <a:r>
-              <a:rPr lang="en-US" dirty="0"/>
-              <a:t> </a:t>
-            </a:r>
-            <a:r>
-              <a:rPr lang="en-US" dirty="0" err="1"/>
-              <a:t>maxCtr</a:t>
-            </a:r>
-            <a:r>
-              <a:rPr lang="en-US" dirty="0"/>
-              <a:t> =5;</a:t>
-            </a:r>
-          </a:p>
-          <a:p>
-            <a:pPr marL="0" indent="0">
-              <a:buNone/>
-            </a:pPr>
-            <a:r>
-              <a:rPr lang="en-US" dirty="0"/>
-              <a:t>    while(</a:t>
+              <a:t> in counter) { </a:t>
+            </a:r>
+          </a:p>
+          <a:p>
+            <a:pPr marL="0" indent="0">
+              <a:buNone/>
+            </a:pPr>
+            <a:r>
+              <a:rPr lang="en-US" dirty="0"/>
+              <a:t>      print(</a:t>
             </a:r>
             <a:r>
               <a:rPr lang="en-US" dirty="0" err="1"/>
@@ -3552,67 +3544,25 @@
             </a:r>
             <a:r>
               <a:rPr lang="en-US" dirty="0"/>
-              <a:t>&lt;=</a:t>
-            </a:r>
-            <a:r>
-              <a:rPr lang="en-US" dirty="0" err="1"/>
-              <a:t>maxCtr</a:t>
-            </a:r>
-            <a:r>
-              <a:rPr lang="en-US" dirty="0"/>
-              <a:t>){      </a:t>
-            </a:r>
-          </a:p>
-          <a:p>
-            <a:pPr marL="0" indent="0">
-              <a:buNone/>
-            </a:pPr>
-            <a:r>
-              <a:rPr lang="en-US" dirty="0"/>
-              <a:t>        print(</a:t>
-            </a:r>
-            <a:r>
-              <a:rPr lang="en-US" dirty="0" err="1"/>
-              <a:t>ctr</a:t>
-            </a:r>
-            <a:r>
-              <a:rPr lang="en-US" dirty="0"/>
-              <a:t>);</a:t>
-            </a:r>
-          </a:p>
-          <a:p>
-            <a:pPr marL="0" indent="0">
-              <a:buNone/>
-            </a:pPr>
-            <a:r>
-              <a:rPr lang="en-US" dirty="0"/>
-              <a:t>        </a:t>
-            </a:r>
-            <a:r>
-              <a:rPr lang="en-US" dirty="0" err="1"/>
-              <a:t>ctr</a:t>
-            </a:r>
-            <a:r>
-              <a:rPr lang="en-US" dirty="0"/>
-              <a:t> = ctr+1;</a:t>
-            </a:r>
-          </a:p>
-          <a:p>
-            <a:pPr marL="0" indent="0">
-              <a:buNone/>
-            </a:pPr>
-            <a:r>
-              <a:rPr lang="en-US" dirty="0"/>
-              <a:t>    }</a:t>
-            </a:r>
-          </a:p>
-          <a:p>
-            <a:pPr marL="0" indent="0">
-              <a:buNone/>
-            </a:pPr>
-            <a:r>
-              <a:rPr lang="en-US" dirty="0"/>
-              <a:t>}</a:t>
+              <a:t>); </a:t>
+            </a:r>
+          </a:p>
+          <a:p>
+            <a:pPr marL="0" indent="0">
+              <a:buNone/>
+            </a:pPr>
+            <a:r>
+              <a:rPr lang="en-US" dirty="0"/>
+              <a:t>   } </a:t>
+            </a:r>
+          </a:p>
+          <a:p>
+            <a:pPr marL="0" indent="0">
+              <a:buNone/>
+            </a:pPr>
+            <a:r>
+              <a:rPr lang="en-US" dirty="0"/>
+              <a:t>} </a:t>
             </a:r>
           </a:p>
         </p:txBody>
@@ -3620,7 +3570,7 @@
     </p:spTree>
     <p:extLst>
       <p:ext uri="{BB962C8B-B14F-4D97-AF65-F5344CB8AC3E}">
-        <p14:creationId xmlns:p14="http://schemas.microsoft.com/office/powerpoint/2010/main" val="1478243506"/>
+        <p14:creationId xmlns:p14="http://schemas.microsoft.com/office/powerpoint/2010/main" val="1566103428"/>
       </p:ext>
     </p:extLst>
   </p:cSld>
@@ -3652,6 +3602,233 @@
           <p:cNvPr id="2" name="Title 1">
             <a:extLst>
               <a:ext uri="{FF2B5EF4-FFF2-40B4-BE49-F238E27FC236}">
+                <a16:creationId xmlns:a16="http://schemas.microsoft.com/office/drawing/2014/main" id="{60C17CF5-974D-BF4A-B07F-402B6063DAFC}"/>
+              </a:ext>
+            </a:extLst>
+          </p:cNvPr>
+          <p:cNvSpPr>
+            <a:spLocks noGrp="1"/>
+          </p:cNvSpPr>
+          <p:nvPr>
+            <p:ph type="title"/>
+          </p:nvPr>
+        </p:nvSpPr>
+        <p:spPr/>
+        <p:txBody>
+          <a:bodyPr/>
+          <a:lstStyle/>
+          <a:p>
+            <a:r>
+              <a:rPr lang="en-US" dirty="0"/>
+              <a:t>while</a:t>
+            </a:r>
+          </a:p>
+        </p:txBody>
+      </p:sp>
+      <p:sp>
+        <p:nvSpPr>
+          <p:cNvPr id="3" name="Content Placeholder 2">
+            <a:extLst>
+              <a:ext uri="{FF2B5EF4-FFF2-40B4-BE49-F238E27FC236}">
+                <a16:creationId xmlns:a16="http://schemas.microsoft.com/office/drawing/2014/main" id="{7160459A-AD38-7145-BF8F-FEDB7A5AC627}"/>
+              </a:ext>
+            </a:extLst>
+          </p:cNvPr>
+          <p:cNvSpPr>
+            <a:spLocks noGrp="1"/>
+          </p:cNvSpPr>
+          <p:nvPr>
+            <p:ph idx="1"/>
+          </p:nvPr>
+        </p:nvSpPr>
+        <p:spPr/>
+        <p:txBody>
+          <a:bodyPr>
+            <a:normAutofit lnSpcReduction="10000"/>
+          </a:bodyPr>
+          <a:lstStyle/>
+          <a:p>
+            <a:pPr marL="0" indent="0">
+              <a:buNone/>
+            </a:pPr>
+            <a:r>
+              <a:rPr lang="en-US" dirty="0"/>
+              <a:t>void main()</a:t>
+            </a:r>
+          </a:p>
+          <a:p>
+            <a:pPr marL="0" indent="0">
+              <a:buNone/>
+            </a:pPr>
+            <a:r>
+              <a:rPr lang="en-US" dirty="0"/>
+              <a:t>{</a:t>
+            </a:r>
+          </a:p>
+          <a:p>
+            <a:pPr marL="0" indent="0">
+              <a:buNone/>
+            </a:pPr>
+            <a:r>
+              <a:rPr lang="en-US" dirty="0"/>
+              <a:t>    </a:t>
+            </a:r>
+            <a:r>
+              <a:rPr lang="en-US" dirty="0" err="1"/>
+              <a:t>var</a:t>
+            </a:r>
+            <a:r>
+              <a:rPr lang="en-US" dirty="0"/>
+              <a:t> </a:t>
+            </a:r>
+            <a:r>
+              <a:rPr lang="en-US" dirty="0" err="1"/>
+              <a:t>ctr</a:t>
+            </a:r>
+            <a:r>
+              <a:rPr lang="en-US" dirty="0"/>
+              <a:t> =1;</a:t>
+            </a:r>
+          </a:p>
+          <a:p>
+            <a:pPr marL="0" indent="0">
+              <a:buNone/>
+            </a:pPr>
+            <a:r>
+              <a:rPr lang="en-US" dirty="0"/>
+              <a:t>    </a:t>
+            </a:r>
+            <a:r>
+              <a:rPr lang="en-US" dirty="0" err="1"/>
+              <a:t>var</a:t>
+            </a:r>
+            <a:r>
+              <a:rPr lang="en-US" dirty="0"/>
+              <a:t> </a:t>
+            </a:r>
+            <a:r>
+              <a:rPr lang="en-US" dirty="0" err="1"/>
+              <a:t>maxCtr</a:t>
+            </a:r>
+            <a:r>
+              <a:rPr lang="en-US" dirty="0"/>
+              <a:t> =5;</a:t>
+            </a:r>
+          </a:p>
+          <a:p>
+            <a:pPr marL="0" indent="0">
+              <a:buNone/>
+            </a:pPr>
+            <a:r>
+              <a:rPr lang="en-US" dirty="0"/>
+              <a:t>    while(</a:t>
+            </a:r>
+            <a:r>
+              <a:rPr lang="en-US" dirty="0" err="1"/>
+              <a:t>ctr</a:t>
+            </a:r>
+            <a:r>
+              <a:rPr lang="en-US" dirty="0"/>
+              <a:t>&lt;=</a:t>
+            </a:r>
+            <a:r>
+              <a:rPr lang="en-US" dirty="0" err="1"/>
+              <a:t>maxCtr</a:t>
+            </a:r>
+            <a:r>
+              <a:rPr lang="en-US" dirty="0"/>
+              <a:t>){      </a:t>
+            </a:r>
+          </a:p>
+          <a:p>
+            <a:pPr marL="0" indent="0">
+              <a:buNone/>
+            </a:pPr>
+            <a:r>
+              <a:rPr lang="en-US" dirty="0"/>
+              <a:t>        print(</a:t>
+            </a:r>
+            <a:r>
+              <a:rPr lang="en-US" dirty="0" err="1"/>
+              <a:t>ctr</a:t>
+            </a:r>
+            <a:r>
+              <a:rPr lang="en-US" dirty="0"/>
+              <a:t>);</a:t>
+            </a:r>
+          </a:p>
+          <a:p>
+            <a:pPr marL="0" indent="0">
+              <a:buNone/>
+            </a:pPr>
+            <a:r>
+              <a:rPr lang="en-US" dirty="0"/>
+              <a:t>        </a:t>
+            </a:r>
+            <a:r>
+              <a:rPr lang="en-US" dirty="0" err="1"/>
+              <a:t>ctr</a:t>
+            </a:r>
+            <a:r>
+              <a:rPr lang="en-US" dirty="0"/>
+              <a:t> = ctr+1;</a:t>
+            </a:r>
+          </a:p>
+          <a:p>
+            <a:pPr marL="0" indent="0">
+              <a:buNone/>
+            </a:pPr>
+            <a:r>
+              <a:rPr lang="en-US" dirty="0"/>
+              <a:t>    }</a:t>
+            </a:r>
+          </a:p>
+          <a:p>
+            <a:pPr marL="0" indent="0">
+              <a:buNone/>
+            </a:pPr>
+            <a:r>
+              <a:rPr lang="en-US" dirty="0"/>
+              <a:t>}</a:t>
+            </a:r>
+          </a:p>
+        </p:txBody>
+      </p:sp>
+    </p:spTree>
+    <p:extLst>
+      <p:ext uri="{BB962C8B-B14F-4D97-AF65-F5344CB8AC3E}">
+        <p14:creationId xmlns:p14="http://schemas.microsoft.com/office/powerpoint/2010/main" val="1478243506"/>
+      </p:ext>
+    </p:extLst>
+  </p:cSld>
+  <p:clrMapOvr>
+    <a:masterClrMapping/>
+  </p:clrMapOvr>
+</p:sld>
+</file>
+
+<file path=ppt/slides/slide12.xml><?xml version="1.0" encoding="utf-8"?>
+<p:sld xmlns:a="http://schemas.openxmlformats.org/drawingml/2006/main" xmlns:r="http://schemas.openxmlformats.org/officeDocument/2006/relationships" xmlns:p="http://schemas.openxmlformats.org/presentationml/2006/main">
+  <p:cSld>
+    <p:spTree>
+      <p:nvGrpSpPr>
+        <p:cNvPr id="1" name=""/>
+        <p:cNvGrpSpPr/>
+        <p:nvPr/>
+      </p:nvGrpSpPr>
+      <p:grpSpPr>
+        <a:xfrm>
+          <a:off x="0" y="0"/>
+          <a:ext cx="0" cy="0"/>
+          <a:chOff x="0" y="0"/>
+          <a:chExt cx="0" cy="0"/>
+        </a:xfrm>
+      </p:grpSpPr>
+      <p:sp>
+        <p:nvSpPr>
+          <p:cNvPr id="2" name="Title 1">
+            <a:extLst>
+              <a:ext uri="{FF2B5EF4-FFF2-40B4-BE49-F238E27FC236}">
                 <a16:creationId xmlns:a16="http://schemas.microsoft.com/office/drawing/2014/main" id="{C15FBC7A-602A-414F-9963-215EB2FA6075}"/>
               </a:ext>
             </a:extLst>
@@ -3854,6 +4031,828 @@
     <p:extLst>
       <p:ext uri="{BB962C8B-B14F-4D97-AF65-F5344CB8AC3E}">
         <p14:creationId xmlns:p14="http://schemas.microsoft.com/office/powerpoint/2010/main" val="2366183798"/>
+      </p:ext>
+    </p:extLst>
+  </p:cSld>
+  <p:clrMapOvr>
+    <a:masterClrMapping/>
+  </p:clrMapOvr>
+</p:sld>
+</file>
+
+<file path=ppt/slides/slide13.xml><?xml version="1.0" encoding="utf-8"?>
+<p:sld xmlns:a="http://schemas.openxmlformats.org/drawingml/2006/main" xmlns:r="http://schemas.openxmlformats.org/officeDocument/2006/relationships" xmlns:p="http://schemas.openxmlformats.org/presentationml/2006/main">
+  <p:cSld>
+    <p:spTree>
+      <p:nvGrpSpPr>
+        <p:cNvPr id="1" name=""/>
+        <p:cNvGrpSpPr/>
+        <p:nvPr/>
+      </p:nvGrpSpPr>
+      <p:grpSpPr>
+        <a:xfrm>
+          <a:off x="0" y="0"/>
+          <a:ext cx="0" cy="0"/>
+          <a:chOff x="0" y="0"/>
+          <a:chExt cx="0" cy="0"/>
+        </a:xfrm>
+      </p:grpSpPr>
+      <p:sp>
+        <p:nvSpPr>
+          <p:cNvPr id="2" name="Title 1">
+            <a:extLst>
+              <a:ext uri="{FF2B5EF4-FFF2-40B4-BE49-F238E27FC236}">
+                <a16:creationId xmlns:a16="http://schemas.microsoft.com/office/drawing/2014/main" id="{C2FE9B0C-6C17-3447-8633-AC0F44956A2B}"/>
+              </a:ext>
+            </a:extLst>
+          </p:cNvPr>
+          <p:cNvSpPr>
+            <a:spLocks noGrp="1"/>
+          </p:cNvSpPr>
+          <p:nvPr>
+            <p:ph type="title"/>
+          </p:nvPr>
+        </p:nvSpPr>
+        <p:spPr/>
+        <p:txBody>
+          <a:bodyPr/>
+          <a:lstStyle/>
+          <a:p>
+            <a:r>
+              <a:rPr lang="en-US" dirty="0"/>
+              <a:t>CLASS</a:t>
+            </a:r>
+          </a:p>
+        </p:txBody>
+      </p:sp>
+      <p:sp>
+        <p:nvSpPr>
+          <p:cNvPr id="3" name="Content Placeholder 2">
+            <a:extLst>
+              <a:ext uri="{FF2B5EF4-FFF2-40B4-BE49-F238E27FC236}">
+                <a16:creationId xmlns:a16="http://schemas.microsoft.com/office/drawing/2014/main" id="{64670FEF-8AD0-F14F-B9B8-824050976FD5}"/>
+              </a:ext>
+            </a:extLst>
+          </p:cNvPr>
+          <p:cNvSpPr>
+            <a:spLocks noGrp="1"/>
+          </p:cNvSpPr>
+          <p:nvPr>
+            <p:ph idx="1"/>
+          </p:nvPr>
+        </p:nvSpPr>
+        <p:spPr/>
+        <p:txBody>
+          <a:bodyPr/>
+          <a:lstStyle/>
+          <a:p>
+            <a:pPr marL="0" indent="0">
+              <a:buNone/>
+            </a:pPr>
+            <a:r>
+              <a:rPr lang="en-US" dirty="0"/>
+              <a:t>SYNTAX:</a:t>
+            </a:r>
+          </a:p>
+          <a:p>
+            <a:pPr marL="0" indent="0">
+              <a:buNone/>
+            </a:pPr>
+            <a:r>
+              <a:rPr lang="en-IN" dirty="0"/>
+              <a:t>class </a:t>
+            </a:r>
+            <a:r>
+              <a:rPr lang="en-IN" dirty="0" err="1"/>
+              <a:t>class_name</a:t>
+            </a:r>
+            <a:r>
+              <a:rPr lang="en-IN" dirty="0"/>
+              <a:t> { </a:t>
+            </a:r>
+          </a:p>
+          <a:p>
+            <a:pPr marL="0" indent="0">
+              <a:buNone/>
+            </a:pPr>
+            <a:r>
+              <a:rPr lang="en-IN" dirty="0"/>
+              <a:t> &lt;fields&gt;</a:t>
+            </a:r>
+          </a:p>
+          <a:p>
+            <a:pPr marL="0" indent="0">
+              <a:buNone/>
+            </a:pPr>
+            <a:r>
+              <a:rPr lang="en-IN" dirty="0"/>
+              <a:t> &lt;getters/setters&gt; </a:t>
+            </a:r>
+          </a:p>
+          <a:p>
+            <a:pPr marL="0" indent="0">
+              <a:buNone/>
+            </a:pPr>
+            <a:r>
+              <a:rPr lang="en-IN" dirty="0"/>
+              <a:t> &lt;constructors&gt;</a:t>
+            </a:r>
+          </a:p>
+          <a:p>
+            <a:pPr marL="0" indent="0">
+              <a:buNone/>
+            </a:pPr>
+            <a:r>
+              <a:rPr lang="en-IN" dirty="0"/>
+              <a:t> &lt;functions&gt; </a:t>
+            </a:r>
+          </a:p>
+          <a:p>
+            <a:pPr marL="0" indent="0">
+              <a:buNone/>
+            </a:pPr>
+            <a:r>
+              <a:rPr lang="en-IN" dirty="0"/>
+              <a:t>}</a:t>
+            </a:r>
+            <a:endParaRPr lang="en-US" dirty="0"/>
+          </a:p>
+        </p:txBody>
+      </p:sp>
+    </p:spTree>
+    <p:extLst>
+      <p:ext uri="{BB962C8B-B14F-4D97-AF65-F5344CB8AC3E}">
+        <p14:creationId xmlns:p14="http://schemas.microsoft.com/office/powerpoint/2010/main" val="4145705063"/>
+      </p:ext>
+    </p:extLst>
+  </p:cSld>
+  <p:clrMapOvr>
+    <a:masterClrMapping/>
+  </p:clrMapOvr>
+</p:sld>
+</file>
+
+<file path=ppt/slides/slide14.xml><?xml version="1.0" encoding="utf-8"?>
+<p:sld xmlns:a="http://schemas.openxmlformats.org/drawingml/2006/main" xmlns:r="http://schemas.openxmlformats.org/officeDocument/2006/relationships" xmlns:p="http://schemas.openxmlformats.org/presentationml/2006/main">
+  <p:cSld>
+    <p:spTree>
+      <p:nvGrpSpPr>
+        <p:cNvPr id="1" name=""/>
+        <p:cNvGrpSpPr/>
+        <p:nvPr/>
+      </p:nvGrpSpPr>
+      <p:grpSpPr>
+        <a:xfrm>
+          <a:off x="0" y="0"/>
+          <a:ext cx="0" cy="0"/>
+          <a:chOff x="0" y="0"/>
+          <a:chExt cx="0" cy="0"/>
+        </a:xfrm>
+      </p:grpSpPr>
+      <p:sp>
+        <p:nvSpPr>
+          <p:cNvPr id="2" name="Title 1">
+            <a:extLst>
+              <a:ext uri="{FF2B5EF4-FFF2-40B4-BE49-F238E27FC236}">
+                <a16:creationId xmlns:a16="http://schemas.microsoft.com/office/drawing/2014/main" id="{2D39E559-E03B-5E42-855D-B30916146975}"/>
+              </a:ext>
+            </a:extLst>
+          </p:cNvPr>
+          <p:cNvSpPr>
+            <a:spLocks noGrp="1"/>
+          </p:cNvSpPr>
+          <p:nvPr>
+            <p:ph type="title"/>
+          </p:nvPr>
+        </p:nvSpPr>
+        <p:spPr/>
+        <p:txBody>
+          <a:bodyPr/>
+          <a:lstStyle/>
+          <a:p>
+            <a:r>
+              <a:rPr lang="en-US" dirty="0"/>
+              <a:t>Fields</a:t>
+            </a:r>
+          </a:p>
+        </p:txBody>
+      </p:sp>
+      <p:sp>
+        <p:nvSpPr>
+          <p:cNvPr id="3" name="Content Placeholder 2">
+            <a:extLst>
+              <a:ext uri="{FF2B5EF4-FFF2-40B4-BE49-F238E27FC236}">
+                <a16:creationId xmlns:a16="http://schemas.microsoft.com/office/drawing/2014/main" id="{B976851F-9196-3143-8412-AE8ABF4F69C8}"/>
+              </a:ext>
+            </a:extLst>
+          </p:cNvPr>
+          <p:cNvSpPr>
+            <a:spLocks noGrp="1"/>
+          </p:cNvSpPr>
+          <p:nvPr>
+            <p:ph idx="1"/>
+          </p:nvPr>
+        </p:nvSpPr>
+        <p:spPr/>
+        <p:txBody>
+          <a:bodyPr/>
+          <a:lstStyle/>
+          <a:p>
+            <a:pPr marL="0" indent="0">
+              <a:buNone/>
+            </a:pPr>
+            <a:r>
+              <a:rPr lang="en-IN" dirty="0"/>
+              <a:t>A field is any variable declared in a class.</a:t>
+            </a:r>
+          </a:p>
+          <a:p>
+            <a:pPr marL="0" indent="0">
+              <a:buNone/>
+            </a:pPr>
+            <a:endParaRPr lang="en-US" dirty="0"/>
+          </a:p>
+          <a:p>
+            <a:pPr marL="0" indent="0">
+              <a:buNone/>
+            </a:pPr>
+            <a:r>
+              <a:rPr lang="en-US" sz="4400" dirty="0"/>
+              <a:t>Functions</a:t>
+            </a:r>
+          </a:p>
+          <a:p>
+            <a:pPr marL="0" indent="0">
+              <a:buNone/>
+            </a:pPr>
+            <a:endParaRPr lang="en-US" sz="4400" dirty="0"/>
+          </a:p>
+          <a:p>
+            <a:pPr marL="0" indent="0">
+              <a:buNone/>
+            </a:pPr>
+            <a:r>
+              <a:rPr lang="en-IN" dirty="0"/>
+              <a:t>Functions represent actions an object can take. They are also at times referred to as methods.</a:t>
+            </a:r>
+            <a:endParaRPr lang="en-US" sz="4400" dirty="0"/>
+          </a:p>
+          <a:p>
+            <a:pPr marL="0" indent="0">
+              <a:buNone/>
+            </a:pPr>
+            <a:endParaRPr lang="en-US" sz="4400" dirty="0"/>
+          </a:p>
+          <a:p>
+            <a:pPr marL="0" indent="0">
+              <a:buNone/>
+            </a:pPr>
+            <a:endParaRPr lang="en-US" sz="4400" dirty="0"/>
+          </a:p>
+        </p:txBody>
+      </p:sp>
+    </p:spTree>
+    <p:extLst>
+      <p:ext uri="{BB962C8B-B14F-4D97-AF65-F5344CB8AC3E}">
+        <p14:creationId xmlns:p14="http://schemas.microsoft.com/office/powerpoint/2010/main" val="2382864078"/>
+      </p:ext>
+    </p:extLst>
+  </p:cSld>
+  <p:clrMapOvr>
+    <a:masterClrMapping/>
+  </p:clrMapOvr>
+</p:sld>
+</file>
+
+<file path=ppt/slides/slide15.xml><?xml version="1.0" encoding="utf-8"?>
+<p:sld xmlns:a="http://schemas.openxmlformats.org/drawingml/2006/main" xmlns:r="http://schemas.openxmlformats.org/officeDocument/2006/relationships" xmlns:p="http://schemas.openxmlformats.org/presentationml/2006/main">
+  <p:cSld>
+    <p:spTree>
+      <p:nvGrpSpPr>
+        <p:cNvPr id="1" name=""/>
+        <p:cNvGrpSpPr/>
+        <p:nvPr/>
+      </p:nvGrpSpPr>
+      <p:grpSpPr>
+        <a:xfrm>
+          <a:off x="0" y="0"/>
+          <a:ext cx="0" cy="0"/>
+          <a:chOff x="0" y="0"/>
+          <a:chExt cx="0" cy="0"/>
+        </a:xfrm>
+      </p:grpSpPr>
+      <p:sp>
+        <p:nvSpPr>
+          <p:cNvPr id="2" name="Title 1">
+            <a:extLst>
+              <a:ext uri="{FF2B5EF4-FFF2-40B4-BE49-F238E27FC236}">
+                <a16:creationId xmlns:a16="http://schemas.microsoft.com/office/drawing/2014/main" id="{8309B55A-6678-8A4F-93A0-7AF95E62F955}"/>
+              </a:ext>
+            </a:extLst>
+          </p:cNvPr>
+          <p:cNvSpPr>
+            <a:spLocks noGrp="1"/>
+          </p:cNvSpPr>
+          <p:nvPr>
+            <p:ph type="title"/>
+          </p:nvPr>
+        </p:nvSpPr>
+        <p:spPr/>
+        <p:txBody>
+          <a:bodyPr/>
+          <a:lstStyle/>
+          <a:p>
+            <a:r>
+              <a:rPr lang="en-US" dirty="0"/>
+              <a:t>Class Declaration</a:t>
+            </a:r>
+          </a:p>
+        </p:txBody>
+      </p:sp>
+      <p:sp>
+        <p:nvSpPr>
+          <p:cNvPr id="3" name="Content Placeholder 2">
+            <a:extLst>
+              <a:ext uri="{FF2B5EF4-FFF2-40B4-BE49-F238E27FC236}">
+                <a16:creationId xmlns:a16="http://schemas.microsoft.com/office/drawing/2014/main" id="{077545A5-A1D8-594F-9972-7E3167E5149F}"/>
+              </a:ext>
+            </a:extLst>
+          </p:cNvPr>
+          <p:cNvSpPr>
+            <a:spLocks noGrp="1"/>
+          </p:cNvSpPr>
+          <p:nvPr>
+            <p:ph idx="1"/>
+          </p:nvPr>
+        </p:nvSpPr>
+        <p:spPr/>
+        <p:txBody>
+          <a:bodyPr/>
+          <a:lstStyle/>
+          <a:p>
+            <a:pPr marL="0" indent="0">
+              <a:buNone/>
+            </a:pPr>
+            <a:r>
+              <a:rPr lang="en-IN" dirty="0"/>
+              <a:t>class Car { </a:t>
+            </a:r>
+          </a:p>
+          <a:p>
+            <a:pPr marL="0" indent="0">
+              <a:buNone/>
+            </a:pPr>
+            <a:r>
+              <a:rPr lang="en-IN" dirty="0"/>
+              <a:t>// field String </a:t>
+            </a:r>
+          </a:p>
+          <a:p>
+            <a:pPr marL="0" indent="0">
+              <a:buNone/>
+            </a:pPr>
+            <a:r>
+              <a:rPr lang="en-IN" dirty="0"/>
+              <a:t>engine = "E1001"; </a:t>
+            </a:r>
+          </a:p>
+          <a:p>
+            <a:pPr marL="0" indent="0">
+              <a:buNone/>
+            </a:pPr>
+            <a:r>
+              <a:rPr lang="en-IN" dirty="0"/>
+              <a:t>// function </a:t>
+            </a:r>
+          </a:p>
+          <a:p>
+            <a:pPr marL="0" indent="0">
+              <a:buNone/>
+            </a:pPr>
+            <a:r>
+              <a:rPr lang="en-IN" dirty="0"/>
+              <a:t>void </a:t>
+            </a:r>
+            <a:r>
+              <a:rPr lang="en-IN" dirty="0" err="1"/>
+              <a:t>disp</a:t>
+            </a:r>
+            <a:r>
+              <a:rPr lang="en-IN" dirty="0"/>
+              <a:t>() { </a:t>
+            </a:r>
+          </a:p>
+          <a:p>
+            <a:pPr marL="0" indent="0">
+              <a:buNone/>
+            </a:pPr>
+            <a:r>
+              <a:rPr lang="en-IN" dirty="0"/>
+              <a:t>print(engine); </a:t>
+            </a:r>
+          </a:p>
+          <a:p>
+            <a:pPr marL="0" indent="0">
+              <a:buNone/>
+            </a:pPr>
+            <a:r>
+              <a:rPr lang="en-IN" dirty="0"/>
+              <a:t>}</a:t>
+            </a:r>
+          </a:p>
+          <a:p>
+            <a:pPr marL="0" indent="0">
+              <a:buNone/>
+            </a:pPr>
+            <a:r>
+              <a:rPr lang="en-IN" dirty="0"/>
+              <a:t> }</a:t>
+            </a:r>
+            <a:endParaRPr lang="en-US" dirty="0"/>
+          </a:p>
+        </p:txBody>
+      </p:sp>
+    </p:spTree>
+    <p:extLst>
+      <p:ext uri="{BB962C8B-B14F-4D97-AF65-F5344CB8AC3E}">
+        <p14:creationId xmlns:p14="http://schemas.microsoft.com/office/powerpoint/2010/main" val="2718654099"/>
+      </p:ext>
+    </p:extLst>
+  </p:cSld>
+  <p:clrMapOvr>
+    <a:masterClrMapping/>
+  </p:clrMapOvr>
+</p:sld>
+</file>
+
+<file path=ppt/slides/slide16.xml><?xml version="1.0" encoding="utf-8"?>
+<p:sld xmlns:a="http://schemas.openxmlformats.org/drawingml/2006/main" xmlns:r="http://schemas.openxmlformats.org/officeDocument/2006/relationships" xmlns:p="http://schemas.openxmlformats.org/presentationml/2006/main">
+  <p:cSld>
+    <p:spTree>
+      <p:nvGrpSpPr>
+        <p:cNvPr id="1" name=""/>
+        <p:cNvGrpSpPr/>
+        <p:nvPr/>
+      </p:nvGrpSpPr>
+      <p:grpSpPr>
+        <a:xfrm>
+          <a:off x="0" y="0"/>
+          <a:ext cx="0" cy="0"/>
+          <a:chOff x="0" y="0"/>
+          <a:chExt cx="0" cy="0"/>
+        </a:xfrm>
+      </p:grpSpPr>
+      <p:sp>
+        <p:nvSpPr>
+          <p:cNvPr id="2" name="Title 1">
+            <a:extLst>
+              <a:ext uri="{FF2B5EF4-FFF2-40B4-BE49-F238E27FC236}">
+                <a16:creationId xmlns:a16="http://schemas.microsoft.com/office/drawing/2014/main" id="{360426CF-281B-CC42-8AAF-89CE80241549}"/>
+              </a:ext>
+            </a:extLst>
+          </p:cNvPr>
+          <p:cNvSpPr>
+            <a:spLocks noGrp="1"/>
+          </p:cNvSpPr>
+          <p:nvPr>
+            <p:ph type="title"/>
+          </p:nvPr>
+        </p:nvSpPr>
+        <p:spPr/>
+        <p:txBody>
+          <a:bodyPr/>
+          <a:lstStyle/>
+          <a:p>
+            <a:r>
+              <a:rPr lang="en-US" dirty="0"/>
+              <a:t>Constructors</a:t>
+            </a:r>
+          </a:p>
+        </p:txBody>
+      </p:sp>
+      <p:sp>
+        <p:nvSpPr>
+          <p:cNvPr id="3" name="Content Placeholder 2">
+            <a:extLst>
+              <a:ext uri="{FF2B5EF4-FFF2-40B4-BE49-F238E27FC236}">
+                <a16:creationId xmlns:a16="http://schemas.microsoft.com/office/drawing/2014/main" id="{23D6DB11-8654-744E-AA36-7E93350D0FE8}"/>
+              </a:ext>
+            </a:extLst>
+          </p:cNvPr>
+          <p:cNvSpPr>
+            <a:spLocks noGrp="1"/>
+          </p:cNvSpPr>
+          <p:nvPr>
+            <p:ph idx="1"/>
+          </p:nvPr>
+        </p:nvSpPr>
+        <p:spPr/>
+        <p:txBody>
+          <a:bodyPr>
+            <a:normAutofit lnSpcReduction="10000"/>
+          </a:bodyPr>
+          <a:lstStyle/>
+          <a:p>
+            <a:pPr marL="0" indent="0">
+              <a:buNone/>
+            </a:pPr>
+            <a:r>
+              <a:rPr lang="en-IN" dirty="0"/>
+              <a:t>Responsible for allocating memory for the objects of the class.</a:t>
+            </a:r>
+          </a:p>
+          <a:p>
+            <a:pPr marL="0" indent="0">
+              <a:buNone/>
+            </a:pPr>
+            <a:endParaRPr lang="en-IN" dirty="0"/>
+          </a:p>
+          <a:p>
+            <a:pPr marL="0" indent="0">
+              <a:buNone/>
+            </a:pPr>
+            <a:r>
+              <a:rPr lang="en-IN" dirty="0"/>
+              <a:t>void main() { </a:t>
+            </a:r>
+          </a:p>
+          <a:p>
+            <a:pPr marL="0" indent="0">
+              <a:buNone/>
+            </a:pPr>
+            <a:r>
+              <a:rPr lang="en-IN" dirty="0"/>
+              <a:t>Car c = new Car('E1001’);</a:t>
+            </a:r>
+          </a:p>
+          <a:p>
+            <a:pPr marL="0" indent="0">
+              <a:buNone/>
+            </a:pPr>
+            <a:r>
+              <a:rPr lang="en-IN" dirty="0"/>
+              <a:t> } </a:t>
+            </a:r>
+          </a:p>
+          <a:p>
+            <a:pPr marL="0" indent="0">
+              <a:buNone/>
+            </a:pPr>
+            <a:r>
+              <a:rPr lang="en-IN" dirty="0"/>
+              <a:t>class Car { </a:t>
+            </a:r>
+          </a:p>
+          <a:p>
+            <a:pPr marL="0" indent="0">
+              <a:buNone/>
+            </a:pPr>
+            <a:r>
+              <a:rPr lang="en-IN" dirty="0"/>
+              <a:t>Car(String engine) { </a:t>
+            </a:r>
+          </a:p>
+          <a:p>
+            <a:pPr marL="0" indent="0">
+              <a:buNone/>
+            </a:pPr>
+            <a:r>
+              <a:rPr lang="en-IN" dirty="0"/>
+              <a:t>print(engine); } </a:t>
+            </a:r>
+          </a:p>
+          <a:p>
+            <a:pPr marL="0" indent="0">
+              <a:buNone/>
+            </a:pPr>
+            <a:r>
+              <a:rPr lang="en-IN" dirty="0"/>
+              <a:t>}</a:t>
+            </a:r>
+            <a:endParaRPr lang="en-US" dirty="0"/>
+          </a:p>
+        </p:txBody>
+      </p:sp>
+    </p:spTree>
+    <p:extLst>
+      <p:ext uri="{BB962C8B-B14F-4D97-AF65-F5344CB8AC3E}">
+        <p14:creationId xmlns:p14="http://schemas.microsoft.com/office/powerpoint/2010/main" val="2121662861"/>
+      </p:ext>
+    </p:extLst>
+  </p:cSld>
+  <p:clrMapOvr>
+    <a:masterClrMapping/>
+  </p:clrMapOvr>
+</p:sld>
+</file>
+
+<file path=ppt/slides/slide17.xml><?xml version="1.0" encoding="utf-8"?>
+<p:sld xmlns:a="http://schemas.openxmlformats.org/drawingml/2006/main" xmlns:r="http://schemas.openxmlformats.org/officeDocument/2006/relationships" xmlns:p="http://schemas.openxmlformats.org/presentationml/2006/main">
+  <p:cSld>
+    <p:spTree>
+      <p:nvGrpSpPr>
+        <p:cNvPr id="1" name=""/>
+        <p:cNvGrpSpPr/>
+        <p:nvPr/>
+      </p:nvGrpSpPr>
+      <p:grpSpPr>
+        <a:xfrm>
+          <a:off x="0" y="0"/>
+          <a:ext cx="0" cy="0"/>
+          <a:chOff x="0" y="0"/>
+          <a:chExt cx="0" cy="0"/>
+        </a:xfrm>
+      </p:grpSpPr>
+      <p:sp>
+        <p:nvSpPr>
+          <p:cNvPr id="2" name="Title 1">
+            <a:extLst>
+              <a:ext uri="{FF2B5EF4-FFF2-40B4-BE49-F238E27FC236}">
+                <a16:creationId xmlns:a16="http://schemas.microsoft.com/office/drawing/2014/main" id="{F0F33297-91CE-2640-97D8-91D7D43186EB}"/>
+              </a:ext>
+            </a:extLst>
+          </p:cNvPr>
+          <p:cNvSpPr>
+            <a:spLocks noGrp="1"/>
+          </p:cNvSpPr>
+          <p:nvPr>
+            <p:ph type="title"/>
+          </p:nvPr>
+        </p:nvSpPr>
+        <p:spPr/>
+        <p:txBody>
+          <a:bodyPr/>
+          <a:lstStyle/>
+          <a:p>
+            <a:r>
+              <a:rPr lang="en-IN" dirty="0"/>
+              <a:t>Getters and Setters</a:t>
+            </a:r>
+            <a:br>
+              <a:rPr lang="en-IN" dirty="0"/>
+            </a:br>
+            <a:endParaRPr lang="en-US" dirty="0"/>
+          </a:p>
+        </p:txBody>
+      </p:sp>
+      <p:sp>
+        <p:nvSpPr>
+          <p:cNvPr id="3" name="Content Placeholder 2">
+            <a:extLst>
+              <a:ext uri="{FF2B5EF4-FFF2-40B4-BE49-F238E27FC236}">
+                <a16:creationId xmlns:a16="http://schemas.microsoft.com/office/drawing/2014/main" id="{8853E8B9-A480-5B4F-A1FD-40D3230374FA}"/>
+              </a:ext>
+            </a:extLst>
+          </p:cNvPr>
+          <p:cNvSpPr>
+            <a:spLocks noGrp="1"/>
+          </p:cNvSpPr>
+          <p:nvPr>
+            <p:ph idx="1"/>
+          </p:nvPr>
+        </p:nvSpPr>
+        <p:spPr>
+          <a:xfrm>
+            <a:off x="838200" y="1315092"/>
+            <a:ext cx="10515600" cy="4861871"/>
+          </a:xfrm>
+        </p:spPr>
+        <p:txBody>
+          <a:bodyPr>
+            <a:normAutofit fontScale="92500" lnSpcReduction="20000"/>
+          </a:bodyPr>
+          <a:lstStyle/>
+          <a:p>
+            <a:pPr marL="0" indent="0">
+              <a:buNone/>
+            </a:pPr>
+            <a:r>
+              <a:rPr lang="en-IN" dirty="0"/>
+              <a:t>Allows the program to initialize and retrieve the values of the fields of a class. A default getter/ setter is associated with every class. </a:t>
+            </a:r>
+          </a:p>
+          <a:p>
+            <a:pPr marL="0" indent="0">
+              <a:buNone/>
+            </a:pPr>
+            <a:endParaRPr lang="en-IN" dirty="0"/>
+          </a:p>
+          <a:p>
+            <a:pPr marL="0" indent="0">
+              <a:buNone/>
+            </a:pPr>
+            <a:r>
+              <a:rPr lang="en-IN" dirty="0"/>
+              <a:t>class Student { </a:t>
+            </a:r>
+          </a:p>
+          <a:p>
+            <a:pPr marL="0" indent="0">
+              <a:buNone/>
+            </a:pPr>
+            <a:r>
+              <a:rPr lang="en-IN" dirty="0"/>
+              <a:t>String name;</a:t>
+            </a:r>
+          </a:p>
+          <a:p>
+            <a:pPr marL="0" indent="0">
+              <a:buNone/>
+            </a:pPr>
+            <a:r>
+              <a:rPr lang="en-IN" dirty="0"/>
+              <a:t> </a:t>
+            </a:r>
+            <a:r>
+              <a:rPr lang="en-IN" dirty="0" err="1"/>
+              <a:t>int</a:t>
+            </a:r>
+            <a:r>
+              <a:rPr lang="en-IN" dirty="0"/>
+              <a:t> age; </a:t>
+            </a:r>
+          </a:p>
+          <a:p>
+            <a:pPr marL="0" indent="0">
+              <a:buNone/>
+            </a:pPr>
+            <a:r>
+              <a:rPr lang="en-IN" dirty="0"/>
+              <a:t>String get </a:t>
+            </a:r>
+            <a:r>
+              <a:rPr lang="en-IN" dirty="0" err="1"/>
+              <a:t>stud_name</a:t>
+            </a:r>
+            <a:r>
+              <a:rPr lang="en-IN" dirty="0"/>
+              <a:t> { </a:t>
+            </a:r>
+          </a:p>
+          <a:p>
+            <a:pPr marL="0" indent="0">
+              <a:buNone/>
+            </a:pPr>
+            <a:r>
+              <a:rPr lang="en-IN" dirty="0"/>
+              <a:t>return name;</a:t>
+            </a:r>
+          </a:p>
+          <a:p>
+            <a:pPr marL="0" indent="0">
+              <a:buNone/>
+            </a:pPr>
+            <a:r>
+              <a:rPr lang="en-IN" dirty="0"/>
+              <a:t> } </a:t>
+            </a:r>
+          </a:p>
+          <a:p>
+            <a:pPr marL="0" indent="0">
+              <a:buNone/>
+            </a:pPr>
+            <a:r>
+              <a:rPr lang="en-IN" dirty="0"/>
+              <a:t>void set </a:t>
+            </a:r>
+            <a:r>
+              <a:rPr lang="en-IN" dirty="0" err="1"/>
+              <a:t>stud_name</a:t>
+            </a:r>
+            <a:r>
+              <a:rPr lang="en-IN" dirty="0"/>
+              <a:t>(String name) { </a:t>
+            </a:r>
+          </a:p>
+          <a:p>
+            <a:pPr marL="0" indent="0">
+              <a:buNone/>
+            </a:pPr>
+            <a:r>
+              <a:rPr lang="en-IN" dirty="0" err="1"/>
+              <a:t>this.name</a:t>
+            </a:r>
+            <a:r>
+              <a:rPr lang="en-IN" dirty="0"/>
+              <a:t> = name; </a:t>
+            </a:r>
+          </a:p>
+          <a:p>
+            <a:pPr marL="0" indent="0">
+              <a:buNone/>
+            </a:pPr>
+            <a:r>
+              <a:rPr lang="en-IN" dirty="0"/>
+              <a:t>} </a:t>
+            </a:r>
+            <a:endParaRPr lang="en-US" dirty="0"/>
+          </a:p>
+        </p:txBody>
+      </p:sp>
+    </p:spTree>
+    <p:extLst>
+      <p:ext uri="{BB962C8B-B14F-4D97-AF65-F5344CB8AC3E}">
+        <p14:creationId xmlns:p14="http://schemas.microsoft.com/office/powerpoint/2010/main" val="1292032522"/>
       </p:ext>
     </p:extLst>
   </p:cSld>
@@ -3926,7 +4925,9 @@
         </p:nvSpPr>
         <p:spPr/>
         <p:txBody>
-          <a:bodyPr/>
+          <a:bodyPr>
+            <a:normAutofit lnSpcReduction="10000"/>
+          </a:bodyPr>
           <a:lstStyle/>
           <a:p>
             <a:r>
@@ -4000,6 +5001,20 @@
             <a:r>
               <a:rPr lang="en-IN" dirty="0"/>
               <a:t> programming language.</a:t>
+            </a:r>
+          </a:p>
+          <a:p>
+            <a:r>
+              <a:rPr lang="en-IN" dirty="0"/>
+              <a:t>Dart supports all the features for </a:t>
+            </a:r>
+            <a:r>
+              <a:rPr lang="en-IN"/>
+              <a:t>Object-oriented programming </a:t>
+            </a:r>
+            <a:r>
+              <a:rPr lang="en-IN" dirty="0"/>
+              <a:t>paradigm like Classes, Inheritance, Interfaces, Polymorphism, etc.</a:t>
             </a:r>
           </a:p>
           <a:p>
@@ -4042,7 +5057,7 @@
           <p:cNvPr id="2" name="Title 1">
             <a:extLst>
               <a:ext uri="{FF2B5EF4-FFF2-40B4-BE49-F238E27FC236}">
-                <a16:creationId xmlns:a16="http://schemas.microsoft.com/office/drawing/2014/main" id="{22B523D1-0395-9A45-B2B2-9FDE97E03B4E}"/>
+                <a16:creationId xmlns:a16="http://schemas.microsoft.com/office/drawing/2014/main" id="{90D1910B-EB19-0F45-BAE6-9D747D868E96}"/>
               </a:ext>
             </a:extLst>
           </p:cNvPr>
@@ -4055,76 +5070,65 @@
         </p:nvSpPr>
         <p:spPr/>
         <p:txBody>
-          <a:bodyPr/>
+          <a:bodyPr>
+            <a:normAutofit/>
+          </a:bodyPr>
+          <a:lstStyle/>
+          <a:p>
+            <a:r>
+              <a:rPr lang="en-US" sz="3600" dirty="0"/>
+              <a:t>Why Flutter uses DART?</a:t>
+            </a:r>
+          </a:p>
+        </p:txBody>
+      </p:sp>
+      <p:sp>
+        <p:nvSpPr>
+          <p:cNvPr id="3" name="Content Placeholder 2">
+            <a:extLst>
+              <a:ext uri="{FF2B5EF4-FFF2-40B4-BE49-F238E27FC236}">
+                <a16:creationId xmlns:a16="http://schemas.microsoft.com/office/drawing/2014/main" id="{88C9BAE9-65E9-DE4C-AD4D-09DA1643A805}"/>
+              </a:ext>
+            </a:extLst>
+          </p:cNvPr>
+          <p:cNvSpPr>
+            <a:spLocks noGrp="1"/>
+          </p:cNvSpPr>
+          <p:nvPr>
+            <p:ph idx="1"/>
+          </p:nvPr>
+        </p:nvSpPr>
+        <p:spPr/>
+        <p:txBody>
+          <a:bodyPr>
+            <a:normAutofit/>
+          </a:bodyPr>
           <a:lstStyle/>
           <a:p>
             <a:r>
               <a:rPr lang="en-IN" dirty="0"/>
-              <a:t>The Dart language supports the following types−</a:t>
-            </a:r>
-            <a:endParaRPr lang="en-US" dirty="0"/>
-          </a:p>
-        </p:txBody>
-      </p:sp>
-      <p:sp>
-        <p:nvSpPr>
-          <p:cNvPr id="3" name="Content Placeholder 2">
-            <a:extLst>
-              <a:ext uri="{FF2B5EF4-FFF2-40B4-BE49-F238E27FC236}">
-                <a16:creationId xmlns:a16="http://schemas.microsoft.com/office/drawing/2014/main" id="{2328AE6E-5EC3-4E4B-808A-55ADD5C25A26}"/>
-              </a:ext>
-            </a:extLst>
-          </p:cNvPr>
-          <p:cNvSpPr>
-            <a:spLocks noGrp="1"/>
-          </p:cNvSpPr>
-          <p:nvPr>
-            <p:ph idx="1"/>
-          </p:nvPr>
-        </p:nvSpPr>
-        <p:spPr/>
-        <p:txBody>
-          <a:bodyPr/>
-          <a:lstStyle/>
+              <a:t>Dart is AOT (Ahead Of Time) compiled to fast, predictable, native code, which allows almost all of Flutter to be written in Dart.</a:t>
+            </a:r>
+          </a:p>
           <a:p>
             <a:r>
               <a:rPr lang="en-IN" dirty="0"/>
-              <a:t>Numbers</a:t>
+              <a:t>Dart can also be JIT (Just In Time) compiled for exceptionally fast development cycles and game-changing workflow (including Flutter’s popular sub-second stateful hot reload).</a:t>
             </a:r>
           </a:p>
           <a:p>
             <a:r>
               <a:rPr lang="en-IN" dirty="0"/>
-              <a:t>Strings</a:t>
-            </a:r>
-          </a:p>
-          <a:p>
-            <a:r>
-              <a:rPr lang="en-IN" dirty="0"/>
-              <a:t>Booleans</a:t>
-            </a:r>
-          </a:p>
-          <a:p>
-            <a:r>
-              <a:rPr lang="en-IN" dirty="0"/>
-              <a:t>Lists</a:t>
-            </a:r>
-          </a:p>
-          <a:p>
-            <a:r>
-              <a:rPr lang="en-IN" dirty="0"/>
-              <a:t>Maps</a:t>
-            </a:r>
-          </a:p>
-          <a:p>
-            <a:endParaRPr lang="en-US" dirty="0"/>
+              <a:t>Dart allows Flutter to avoid the need for a separate declarative layout language like JSX or XML, or separate visual interface builders, because Dart’s declarative, programmatic layout is easy to read and visualize. </a:t>
+            </a:r>
+            <a:endParaRPr lang="en-US" sz="2400" dirty="0"/>
           </a:p>
         </p:txBody>
       </p:sp>
     </p:spTree>
     <p:extLst>
       <p:ext uri="{BB962C8B-B14F-4D97-AF65-F5344CB8AC3E}">
-        <p14:creationId xmlns:p14="http://schemas.microsoft.com/office/powerpoint/2010/main" val="3106560773"/>
+        <p14:creationId xmlns:p14="http://schemas.microsoft.com/office/powerpoint/2010/main" val="2564497026"/>
       </p:ext>
     </p:extLst>
   </p:cSld>
@@ -4156,7 +5160,7 @@
           <p:cNvPr id="2" name="Title 1">
             <a:extLst>
               <a:ext uri="{FF2B5EF4-FFF2-40B4-BE49-F238E27FC236}">
-                <a16:creationId xmlns:a16="http://schemas.microsoft.com/office/drawing/2014/main" id="{F1F1B441-95C6-644C-BB19-DBC22CF867B3}"/>
+                <a16:creationId xmlns:a16="http://schemas.microsoft.com/office/drawing/2014/main" id="{03442282-9FE2-3A43-909F-408AF8768FFD}"/>
               </a:ext>
             </a:extLst>
           </p:cNvPr>
@@ -4174,7 +5178,7 @@
           <a:p>
             <a:r>
               <a:rPr lang="en-US" dirty="0"/>
-              <a:t>My first DART Program</a:t>
+              <a:t>More Features…</a:t>
             </a:r>
           </a:p>
         </p:txBody>
@@ -4184,7 +5188,7 @@
           <p:cNvPr id="3" name="Content Placeholder 2">
             <a:extLst>
               <a:ext uri="{FF2B5EF4-FFF2-40B4-BE49-F238E27FC236}">
-                <a16:creationId xmlns:a16="http://schemas.microsoft.com/office/drawing/2014/main" id="{3259ADFA-AED1-A34B-BF5F-E680EE983BA3}"/>
+                <a16:creationId xmlns:a16="http://schemas.microsoft.com/office/drawing/2014/main" id="{D43E3977-3C94-0044-8AE7-8DDF809DB4F3}"/>
               </a:ext>
             </a:extLst>
           </p:cNvPr>
@@ -4200,55 +5204,15 @@
           <a:bodyPr/>
           <a:lstStyle/>
           <a:p>
-            <a:pPr marL="0" indent="0">
-              <a:buNone/>
-            </a:pPr>
             <a:r>
               <a:rPr lang="en-IN" dirty="0"/>
-              <a:t>void main() {</a:t>
-            </a:r>
-          </a:p>
-          <a:p>
-            <a:pPr marL="0" indent="0">
-              <a:buNone/>
-            </a:pPr>
-            <a:r>
-              <a:rPr lang="en-IN" dirty="0"/>
-              <a:t> print(‘My first DART Program’);</a:t>
-            </a:r>
-          </a:p>
-          <a:p>
-            <a:pPr marL="0" indent="0">
-              <a:buNone/>
-            </a:pPr>
-            <a:r>
-              <a:rPr lang="en-IN" dirty="0"/>
-              <a:t> }</a:t>
-            </a:r>
-          </a:p>
-          <a:p>
-            <a:pPr marL="0" indent="0">
-              <a:buNone/>
-            </a:pPr>
-            <a:endParaRPr lang="en-IN" dirty="0"/>
-          </a:p>
-          <a:p>
-            <a:pPr marL="0" indent="0">
-              <a:buNone/>
-            </a:pPr>
-            <a:r>
-              <a:rPr lang="en-IN" dirty="0"/>
-              <a:t>OUTPUT:</a:t>
-            </a:r>
-          </a:p>
-          <a:p>
-            <a:pPr marL="0" indent="0">
-              <a:buNone/>
-            </a:pPr>
-            <a:r>
-              <a:rPr lang="en-IN" dirty="0"/>
-              <a:t>hello world</a:t>
-            </a:r>
+              <a:t>Developers have found that Dart is particularly easy to learn because it has features that are familiar to users of both static and dynamic languages.</a:t>
+            </a:r>
+          </a:p>
+          <a:p>
+            <a:pPr marL="0" indent="0">
+              <a:buNone/>
+            </a:pPr>
             <a:endParaRPr lang="en-US" dirty="0"/>
           </a:p>
         </p:txBody>
@@ -4256,7 +5220,7 @@
     </p:spTree>
     <p:extLst>
       <p:ext uri="{BB962C8B-B14F-4D97-AF65-F5344CB8AC3E}">
-        <p14:creationId xmlns:p14="http://schemas.microsoft.com/office/powerpoint/2010/main" val="2485407905"/>
+        <p14:creationId xmlns:p14="http://schemas.microsoft.com/office/powerpoint/2010/main" val="323317543"/>
       </p:ext>
     </p:extLst>
   </p:cSld>
@@ -4288,7 +5252,7 @@
           <p:cNvPr id="2" name="Title 1">
             <a:extLst>
               <a:ext uri="{FF2B5EF4-FFF2-40B4-BE49-F238E27FC236}">
-                <a16:creationId xmlns:a16="http://schemas.microsoft.com/office/drawing/2014/main" id="{C2FE9B0C-6C17-3447-8633-AC0F44956A2B}"/>
+                <a16:creationId xmlns:a16="http://schemas.microsoft.com/office/drawing/2014/main" id="{22B523D1-0395-9A45-B2B2-9FDE97E03B4E}"/>
               </a:ext>
             </a:extLst>
           </p:cNvPr>
@@ -4305,9 +5269,10 @@
           <a:lstStyle/>
           <a:p>
             <a:r>
-              <a:rPr lang="en-US" dirty="0"/>
-              <a:t>CLASS</a:t>
-            </a:r>
+              <a:rPr lang="en-IN" dirty="0"/>
+              <a:t>The Dart language supports the following types−</a:t>
+            </a:r>
+            <a:endParaRPr lang="en-US" dirty="0"/>
           </a:p>
         </p:txBody>
       </p:sp>
@@ -4316,7 +5281,7 @@
           <p:cNvPr id="3" name="Content Placeholder 2">
             <a:extLst>
               <a:ext uri="{FF2B5EF4-FFF2-40B4-BE49-F238E27FC236}">
-                <a16:creationId xmlns:a16="http://schemas.microsoft.com/office/drawing/2014/main" id="{64670FEF-8AD0-F14F-B9B8-824050976FD5}"/>
+                <a16:creationId xmlns:a16="http://schemas.microsoft.com/office/drawing/2014/main" id="{2328AE6E-5EC3-4E4B-808A-55ADD5C25A26}"/>
               </a:ext>
             </a:extLst>
           </p:cNvPr>
@@ -4332,75 +5297,36 @@
           <a:bodyPr/>
           <a:lstStyle/>
           <a:p>
-            <a:pPr marL="0" indent="0">
-              <a:buNone/>
-            </a:pPr>
-            <a:r>
-              <a:rPr lang="en-US" dirty="0"/>
-              <a:t>SYNTAX:</a:t>
-            </a:r>
-          </a:p>
-          <a:p>
-            <a:pPr marL="0" indent="0">
-              <a:buNone/>
-            </a:pPr>
             <a:r>
               <a:rPr lang="en-IN" dirty="0"/>
-              <a:t>class </a:t>
-            </a:r>
-            <a:r>
-              <a:rPr lang="en-IN" dirty="0" err="1"/>
-              <a:t>class_name</a:t>
-            </a:r>
+              <a:t>Numbers</a:t>
+            </a:r>
+          </a:p>
+          <a:p>
             <a:r>
               <a:rPr lang="en-IN" dirty="0"/>
-              <a:t> { </a:t>
-            </a:r>
-          </a:p>
-          <a:p>
-            <a:pPr marL="0" indent="0">
-              <a:buNone/>
-            </a:pPr>
+              <a:t>Strings</a:t>
+            </a:r>
+          </a:p>
+          <a:p>
             <a:r>
               <a:rPr lang="en-IN" dirty="0"/>
-              <a:t> &lt;fields&gt;</a:t>
-            </a:r>
-          </a:p>
-          <a:p>
-            <a:pPr marL="0" indent="0">
-              <a:buNone/>
-            </a:pPr>
+              <a:t>Booleans</a:t>
+            </a:r>
+          </a:p>
+          <a:p>
             <a:r>
               <a:rPr lang="en-IN" dirty="0"/>
-              <a:t> &lt;getters/setters&gt; </a:t>
-            </a:r>
-          </a:p>
-          <a:p>
-            <a:pPr marL="0" indent="0">
-              <a:buNone/>
-            </a:pPr>
+              <a:t>Lists</a:t>
+            </a:r>
+          </a:p>
+          <a:p>
             <a:r>
               <a:rPr lang="en-IN" dirty="0"/>
-              <a:t> &lt;constructors&gt;</a:t>
-            </a:r>
-          </a:p>
-          <a:p>
-            <a:pPr marL="0" indent="0">
-              <a:buNone/>
-            </a:pPr>
-            <a:r>
-              <a:rPr lang="en-IN" dirty="0"/>
-              <a:t> &lt;functions&gt; </a:t>
-            </a:r>
-          </a:p>
-          <a:p>
-            <a:pPr marL="0" indent="0">
-              <a:buNone/>
-            </a:pPr>
-            <a:r>
-              <a:rPr lang="en-IN" dirty="0"/>
-              <a:t>}</a:t>
-            </a:r>
+              <a:t>Maps</a:t>
+            </a:r>
+          </a:p>
+          <a:p>
             <a:endParaRPr lang="en-US" dirty="0"/>
           </a:p>
         </p:txBody>
@@ -4408,7 +5334,7 @@
     </p:spTree>
     <p:extLst>
       <p:ext uri="{BB962C8B-B14F-4D97-AF65-F5344CB8AC3E}">
-        <p14:creationId xmlns:p14="http://schemas.microsoft.com/office/powerpoint/2010/main" val="4145705063"/>
+        <p14:creationId xmlns:p14="http://schemas.microsoft.com/office/powerpoint/2010/main" val="3106560773"/>
       </p:ext>
     </p:extLst>
   </p:cSld>
@@ -4419,6 +5345,138 @@
 </file>
 
 <file path=ppt/slides/slide6.xml><?xml version="1.0" encoding="utf-8"?>
+<p:sld xmlns:a="http://schemas.openxmlformats.org/drawingml/2006/main" xmlns:r="http://schemas.openxmlformats.org/officeDocument/2006/relationships" xmlns:p="http://schemas.openxmlformats.org/presentationml/2006/main">
+  <p:cSld>
+    <p:spTree>
+      <p:nvGrpSpPr>
+        <p:cNvPr id="1" name=""/>
+        <p:cNvGrpSpPr/>
+        <p:nvPr/>
+      </p:nvGrpSpPr>
+      <p:grpSpPr>
+        <a:xfrm>
+          <a:off x="0" y="0"/>
+          <a:ext cx="0" cy="0"/>
+          <a:chOff x="0" y="0"/>
+          <a:chExt cx="0" cy="0"/>
+        </a:xfrm>
+      </p:grpSpPr>
+      <p:sp>
+        <p:nvSpPr>
+          <p:cNvPr id="2" name="Title 1">
+            <a:extLst>
+              <a:ext uri="{FF2B5EF4-FFF2-40B4-BE49-F238E27FC236}">
+                <a16:creationId xmlns:a16="http://schemas.microsoft.com/office/drawing/2014/main" id="{F1F1B441-95C6-644C-BB19-DBC22CF867B3}"/>
+              </a:ext>
+            </a:extLst>
+          </p:cNvPr>
+          <p:cNvSpPr>
+            <a:spLocks noGrp="1"/>
+          </p:cNvSpPr>
+          <p:nvPr>
+            <p:ph type="title"/>
+          </p:nvPr>
+        </p:nvSpPr>
+        <p:spPr/>
+        <p:txBody>
+          <a:bodyPr/>
+          <a:lstStyle/>
+          <a:p>
+            <a:r>
+              <a:rPr lang="en-US" dirty="0"/>
+              <a:t>My first DART Program</a:t>
+            </a:r>
+          </a:p>
+        </p:txBody>
+      </p:sp>
+      <p:sp>
+        <p:nvSpPr>
+          <p:cNvPr id="3" name="Content Placeholder 2">
+            <a:extLst>
+              <a:ext uri="{FF2B5EF4-FFF2-40B4-BE49-F238E27FC236}">
+                <a16:creationId xmlns:a16="http://schemas.microsoft.com/office/drawing/2014/main" id="{3259ADFA-AED1-A34B-BF5F-E680EE983BA3}"/>
+              </a:ext>
+            </a:extLst>
+          </p:cNvPr>
+          <p:cNvSpPr>
+            <a:spLocks noGrp="1"/>
+          </p:cNvSpPr>
+          <p:nvPr>
+            <p:ph idx="1"/>
+          </p:nvPr>
+        </p:nvSpPr>
+        <p:spPr/>
+        <p:txBody>
+          <a:bodyPr/>
+          <a:lstStyle/>
+          <a:p>
+            <a:pPr marL="0" indent="0">
+              <a:buNone/>
+            </a:pPr>
+            <a:r>
+              <a:rPr lang="en-IN" dirty="0"/>
+              <a:t>void main() {</a:t>
+            </a:r>
+          </a:p>
+          <a:p>
+            <a:pPr marL="0" indent="0">
+              <a:buNone/>
+            </a:pPr>
+            <a:r>
+              <a:rPr lang="en-IN" dirty="0"/>
+              <a:t> print(‘My first DART Program’);</a:t>
+            </a:r>
+          </a:p>
+          <a:p>
+            <a:pPr marL="0" indent="0">
+              <a:buNone/>
+            </a:pPr>
+            <a:r>
+              <a:rPr lang="en-IN" dirty="0"/>
+              <a:t> }</a:t>
+            </a:r>
+          </a:p>
+          <a:p>
+            <a:pPr marL="0" indent="0">
+              <a:buNone/>
+            </a:pPr>
+            <a:endParaRPr lang="en-IN" dirty="0"/>
+          </a:p>
+          <a:p>
+            <a:pPr marL="0" indent="0">
+              <a:buNone/>
+            </a:pPr>
+            <a:r>
+              <a:rPr lang="en-IN" dirty="0"/>
+              <a:t>OUTPUT:</a:t>
+            </a:r>
+          </a:p>
+          <a:p>
+            <a:pPr marL="0" indent="0">
+              <a:buNone/>
+            </a:pPr>
+            <a:r>
+              <a:rPr lang="en-IN" dirty="0"/>
+              <a:t>hello world</a:t>
+            </a:r>
+            <a:endParaRPr lang="en-US" dirty="0"/>
+          </a:p>
+        </p:txBody>
+      </p:sp>
+    </p:spTree>
+    <p:extLst>
+      <p:ext uri="{BB962C8B-B14F-4D97-AF65-F5344CB8AC3E}">
+        <p14:creationId xmlns:p14="http://schemas.microsoft.com/office/powerpoint/2010/main" val="2485407905"/>
+      </p:ext>
+    </p:extLst>
+  </p:cSld>
+  <p:clrMapOvr>
+    <a:masterClrMapping/>
+  </p:clrMapOvr>
+</p:sld>
+</file>
+
+<file path=ppt/slides/slide7.xml><?xml version="1.0" encoding="utf-8"?>
 <p:sld xmlns:a="http://schemas.openxmlformats.org/drawingml/2006/main" xmlns:r="http://schemas.openxmlformats.org/officeDocument/2006/relationships" xmlns:p="http://schemas.openxmlformats.org/presentationml/2006/main">
   <p:cSld>
     <p:bg>
@@ -5291,110 +6349,6 @@
 </p:sld>
 </file>
 
-<file path=ppt/slides/slide7.xml><?xml version="1.0" encoding="utf-8"?>
-<p:sld xmlns:a="http://schemas.openxmlformats.org/drawingml/2006/main" xmlns:r="http://schemas.openxmlformats.org/officeDocument/2006/relationships" xmlns:p="http://schemas.openxmlformats.org/presentationml/2006/main">
-  <p:cSld>
-    <p:spTree>
-      <p:nvGrpSpPr>
-        <p:cNvPr id="1" name=""/>
-        <p:cNvGrpSpPr/>
-        <p:nvPr/>
-      </p:nvGrpSpPr>
-      <p:grpSpPr>
-        <a:xfrm>
-          <a:off x="0" y="0"/>
-          <a:ext cx="0" cy="0"/>
-          <a:chOff x="0" y="0"/>
-          <a:chExt cx="0" cy="0"/>
-        </a:xfrm>
-      </p:grpSpPr>
-      <p:sp>
-        <p:nvSpPr>
-          <p:cNvPr id="2" name="Title 1">
-            <a:extLst>
-              <a:ext uri="{FF2B5EF4-FFF2-40B4-BE49-F238E27FC236}">
-                <a16:creationId xmlns:a16="http://schemas.microsoft.com/office/drawing/2014/main" id="{641298D6-2BBE-674A-94E3-C9C76F276AE3}"/>
-              </a:ext>
-            </a:extLst>
-          </p:cNvPr>
-          <p:cNvSpPr>
-            <a:spLocks noGrp="1"/>
-          </p:cNvSpPr>
-          <p:nvPr>
-            <p:ph type="title"/>
-          </p:nvPr>
-        </p:nvSpPr>
-        <p:spPr/>
-        <p:txBody>
-          <a:bodyPr/>
-          <a:lstStyle/>
-          <a:p>
-            <a:r>
-              <a:rPr lang="en-US" dirty="0"/>
-              <a:t>LOOPS</a:t>
-            </a:r>
-          </a:p>
-        </p:txBody>
-      </p:sp>
-      <p:sp>
-        <p:nvSpPr>
-          <p:cNvPr id="3" name="Content Placeholder 2">
-            <a:extLst>
-              <a:ext uri="{FF2B5EF4-FFF2-40B4-BE49-F238E27FC236}">
-                <a16:creationId xmlns:a16="http://schemas.microsoft.com/office/drawing/2014/main" id="{B5D0C908-4F5A-D943-A432-B2842F3DD384}"/>
-              </a:ext>
-            </a:extLst>
-          </p:cNvPr>
-          <p:cNvSpPr>
-            <a:spLocks noGrp="1"/>
-          </p:cNvSpPr>
-          <p:nvPr>
-            <p:ph idx="1"/>
-          </p:nvPr>
-        </p:nvSpPr>
-        <p:spPr/>
-        <p:txBody>
-          <a:bodyPr/>
-          <a:lstStyle/>
-          <a:p>
-            <a:r>
-              <a:rPr lang="en-US" dirty="0"/>
-              <a:t>for</a:t>
-            </a:r>
-          </a:p>
-          <a:p>
-            <a:r>
-              <a:rPr lang="en-US" dirty="0"/>
-              <a:t>for in</a:t>
-            </a:r>
-          </a:p>
-          <a:p>
-            <a:r>
-              <a:rPr lang="en-US" dirty="0"/>
-              <a:t>while</a:t>
-            </a:r>
-          </a:p>
-          <a:p>
-            <a:r>
-              <a:rPr lang="en-US" dirty="0"/>
-              <a:t>do - while</a:t>
-            </a:r>
-          </a:p>
-        </p:txBody>
-      </p:sp>
-    </p:spTree>
-    <p:extLst>
-      <p:ext uri="{BB962C8B-B14F-4D97-AF65-F5344CB8AC3E}">
-        <p14:creationId xmlns:p14="http://schemas.microsoft.com/office/powerpoint/2010/main" val="1756583514"/>
-      </p:ext>
-    </p:extLst>
-  </p:cSld>
-  <p:clrMapOvr>
-    <a:masterClrMapping/>
-  </p:clrMapOvr>
-</p:sld>
-</file>
-
 <file path=ppt/slides/slide8.xml><?xml version="1.0" encoding="utf-8"?>
 <p:sld xmlns:a="http://schemas.openxmlformats.org/drawingml/2006/main" xmlns:r="http://schemas.openxmlformats.org/officeDocument/2006/relationships" xmlns:p="http://schemas.openxmlformats.org/presentationml/2006/main">
   <p:cSld>
@@ -5417,7 +6371,7 @@
           <p:cNvPr id="2" name="Title 1">
             <a:extLst>
               <a:ext uri="{FF2B5EF4-FFF2-40B4-BE49-F238E27FC236}">
-                <a16:creationId xmlns:a16="http://schemas.microsoft.com/office/drawing/2014/main" id="{D3980027-9C8B-6D48-88E3-858B0DFA3D74}"/>
+                <a16:creationId xmlns:a16="http://schemas.microsoft.com/office/drawing/2014/main" id="{641298D6-2BBE-674A-94E3-C9C76F276AE3}"/>
               </a:ext>
             </a:extLst>
           </p:cNvPr>
@@ -5435,7 +6389,7 @@
           <a:p>
             <a:r>
               <a:rPr lang="en-US" dirty="0"/>
-              <a:t>for loop </a:t>
+              <a:t>LOOPS</a:t>
             </a:r>
           </a:p>
         </p:txBody>
@@ -5445,7 +6399,7 @@
           <p:cNvPr id="3" name="Content Placeholder 2">
             <a:extLst>
               <a:ext uri="{FF2B5EF4-FFF2-40B4-BE49-F238E27FC236}">
-                <a16:creationId xmlns:a16="http://schemas.microsoft.com/office/drawing/2014/main" id="{AD967945-F4A7-FE4C-9B2D-EE48C660253D}"/>
+                <a16:creationId xmlns:a16="http://schemas.microsoft.com/office/drawing/2014/main" id="{B5D0C908-4F5A-D943-A432-B2842F3DD384}"/>
               </a:ext>
             </a:extLst>
           </p:cNvPr>
@@ -5461,88 +6415,27 @@
           <a:bodyPr/>
           <a:lstStyle/>
           <a:p>
-            <a:pPr marL="0" indent="0">
-              <a:buNone/>
-            </a:pPr>
-            <a:r>
-              <a:rPr lang="en-US" dirty="0"/>
-              <a:t>void main() {</a:t>
-            </a:r>
-          </a:p>
-          <a:p>
-            <a:pPr marL="0" indent="0">
-              <a:buNone/>
-            </a:pPr>
-            <a:r>
-              <a:rPr lang="en-US" dirty="0"/>
-              <a:t>  for (</a:t>
-            </a:r>
-            <a:r>
-              <a:rPr lang="en-US" dirty="0" err="1"/>
-              <a:t>int</a:t>
-            </a:r>
-            <a:r>
-              <a:rPr lang="en-US" dirty="0"/>
-              <a:t> </a:t>
-            </a:r>
-            <a:r>
-              <a:rPr lang="en-US" dirty="0" err="1"/>
-              <a:t>ctr</a:t>
-            </a:r>
-            <a:r>
-              <a:rPr lang="en-US" dirty="0"/>
-              <a:t> = 1; </a:t>
-            </a:r>
-            <a:r>
-              <a:rPr lang="en-US" dirty="0" err="1"/>
-              <a:t>ctr</a:t>
-            </a:r>
-            <a:r>
-              <a:rPr lang="en-US" dirty="0"/>
-              <a:t> &lt;= 5; </a:t>
-            </a:r>
-            <a:r>
-              <a:rPr lang="en-US" dirty="0" err="1"/>
-              <a:t>ctr</a:t>
-            </a:r>
-            <a:r>
-              <a:rPr lang="en-US" dirty="0"/>
-              <a:t>++) {</a:t>
-            </a:r>
-          </a:p>
-          <a:p>
-            <a:pPr marL="0" indent="0">
-              <a:buNone/>
-            </a:pPr>
-            <a:r>
-              <a:rPr lang="en-US" dirty="0"/>
-              <a:t>    print(</a:t>
-            </a:r>
-            <a:r>
-              <a:rPr lang="en-US" dirty="0" err="1"/>
-              <a:t>ctr</a:t>
-            </a:r>
-            <a:r>
-              <a:rPr lang="en-US" dirty="0"/>
-              <a:t>);</a:t>
-            </a:r>
-          </a:p>
-          <a:p>
-            <a:pPr marL="0" indent="0">
-              <a:buNone/>
-            </a:pPr>
-            <a:r>
-              <a:rPr lang="en-US" dirty="0"/>
-              <a:t>  }</a:t>
-            </a:r>
-          </a:p>
-          <a:p>
-            <a:pPr marL="0" indent="0">
-              <a:buNone/>
-            </a:pPr>
-            <a:r>
-              <a:rPr lang="en-US" dirty="0"/>
-              <a:t>}</a:t>
+            <a:r>
+              <a:rPr lang="en-US" dirty="0"/>
+              <a:t>for</a:t>
+            </a:r>
+          </a:p>
+          <a:p>
+            <a:r>
+              <a:rPr lang="en-US" dirty="0"/>
+              <a:t>for in</a:t>
+            </a:r>
+          </a:p>
+          <a:p>
+            <a:r>
+              <a:rPr lang="en-US" dirty="0"/>
+              <a:t>while</a:t>
+            </a:r>
+          </a:p>
+          <a:p>
+            <a:r>
+              <a:rPr lang="en-US" dirty="0"/>
+              <a:t>do - while</a:t>
             </a:r>
           </a:p>
         </p:txBody>
@@ -5550,7 +6443,7 @@
     </p:spTree>
     <p:extLst>
       <p:ext uri="{BB962C8B-B14F-4D97-AF65-F5344CB8AC3E}">
-        <p14:creationId xmlns:p14="http://schemas.microsoft.com/office/powerpoint/2010/main" val="3435791098"/>
+        <p14:creationId xmlns:p14="http://schemas.microsoft.com/office/powerpoint/2010/main" val="1756583514"/>
       </p:ext>
     </p:extLst>
   </p:cSld>
@@ -5582,7 +6475,7 @@
           <p:cNvPr id="2" name="Title 1">
             <a:extLst>
               <a:ext uri="{FF2B5EF4-FFF2-40B4-BE49-F238E27FC236}">
-                <a16:creationId xmlns:a16="http://schemas.microsoft.com/office/drawing/2014/main" id="{1DB785E2-EF5C-7F4C-AB25-39CEB5B266D8}"/>
+                <a16:creationId xmlns:a16="http://schemas.microsoft.com/office/drawing/2014/main" id="{D3980027-9C8B-6D48-88E3-858B0DFA3D74}"/>
               </a:ext>
             </a:extLst>
           </p:cNvPr>
@@ -5600,7 +6493,7 @@
           <a:p>
             <a:r>
               <a:rPr lang="en-US" dirty="0"/>
-              <a:t>for in </a:t>
+              <a:t>for loop </a:t>
             </a:r>
           </a:p>
         </p:txBody>
@@ -5610,7 +6503,7 @@
           <p:cNvPr id="3" name="Content Placeholder 2">
             <a:extLst>
               <a:ext uri="{FF2B5EF4-FFF2-40B4-BE49-F238E27FC236}">
-                <a16:creationId xmlns:a16="http://schemas.microsoft.com/office/drawing/2014/main" id="{456E9FE6-9B7F-0F43-86A7-30B6C3F50A5A}"/>
+                <a16:creationId xmlns:a16="http://schemas.microsoft.com/office/drawing/2014/main" id="{AD967945-F4A7-FE4C-9B2D-EE48C660253D}"/>
               </a:ext>
             </a:extLst>
           </p:cNvPr>
@@ -5631,37 +6524,20 @@
             </a:pPr>
             <a:r>
               <a:rPr lang="en-US" dirty="0"/>
-              <a:t>void main() { </a:t>
-            </a:r>
-          </a:p>
-          <a:p>
-            <a:pPr marL="0" indent="0">
-              <a:buNone/>
-            </a:pPr>
-            <a:r>
-              <a:rPr lang="en-US" dirty="0"/>
-              <a:t>  </a:t>
+              <a:t>void main() {</a:t>
+            </a:r>
+          </a:p>
+          <a:p>
+            <a:pPr marL="0" indent="0">
+              <a:buNone/>
+            </a:pPr>
+            <a:r>
+              <a:rPr lang="en-US" dirty="0"/>
+              <a:t>  for (</a:t>
             </a:r>
             <a:r>
               <a:rPr lang="en-US" dirty="0" err="1"/>
-              <a:t>var</a:t>
-            </a:r>
-            <a:r>
-              <a:rPr lang="en-US" dirty="0"/>
-              <a:t> counter = [11,12,13,14,15]; </a:t>
-            </a:r>
-          </a:p>
-          <a:p>
-            <a:pPr marL="0" indent="0">
-              <a:buNone/>
-            </a:pPr>
-            <a:r>
-              <a:rPr lang="en-US" dirty="0"/>
-              <a:t>   for (</a:t>
-            </a:r>
-            <a:r>
-              <a:rPr lang="en-US" dirty="0" err="1"/>
-              <a:t>var</a:t>
+              <a:t>int</a:t>
             </a:r>
             <a:r>
               <a:rPr lang="en-US" dirty="0"/>
@@ -5673,16 +6549,7 @@
             </a:r>
             <a:r>
               <a:rPr lang="en-US" dirty="0"/>
-              <a:t> in counter) { </a:t>
-            </a:r>
-          </a:p>
-          <a:p>
-            <a:pPr marL="0" indent="0">
-              <a:buNone/>
-            </a:pPr>
-            <a:r>
-              <a:rPr lang="en-US" dirty="0"/>
-              <a:t>      print(</a:t>
+              <a:t> = 1; </a:t>
             </a:r>
             <a:r>
               <a:rPr lang="en-US" dirty="0" err="1"/>
@@ -5690,25 +6557,50 @@
             </a:r>
             <a:r>
               <a:rPr lang="en-US" dirty="0"/>
-              <a:t>); </a:t>
-            </a:r>
-          </a:p>
-          <a:p>
-            <a:pPr marL="0" indent="0">
-              <a:buNone/>
-            </a:pPr>
-            <a:r>
-              <a:rPr lang="en-US" dirty="0"/>
-              <a:t>   } </a:t>
-            </a:r>
-          </a:p>
-          <a:p>
-            <a:pPr marL="0" indent="0">
-              <a:buNone/>
-            </a:pPr>
-            <a:r>
-              <a:rPr lang="en-US" dirty="0"/>
-              <a:t>} </a:t>
+              <a:t> &lt;= 5; </a:t>
+            </a:r>
+            <a:r>
+              <a:rPr lang="en-US" dirty="0" err="1"/>
+              <a:t>ctr</a:t>
+            </a:r>
+            <a:r>
+              <a:rPr lang="en-US" dirty="0"/>
+              <a:t>++) {</a:t>
+            </a:r>
+          </a:p>
+          <a:p>
+            <a:pPr marL="0" indent="0">
+              <a:buNone/>
+            </a:pPr>
+            <a:r>
+              <a:rPr lang="en-US" dirty="0"/>
+              <a:t>    print(</a:t>
+            </a:r>
+            <a:r>
+              <a:rPr lang="en-US" dirty="0" err="1"/>
+              <a:t>ctr</a:t>
+            </a:r>
+            <a:r>
+              <a:rPr lang="en-US" dirty="0"/>
+              <a:t>);</a:t>
+            </a:r>
+          </a:p>
+          <a:p>
+            <a:pPr marL="0" indent="0">
+              <a:buNone/>
+            </a:pPr>
+            <a:r>
+              <a:rPr lang="en-US" dirty="0"/>
+              <a:t>  }</a:t>
+            </a:r>
+          </a:p>
+          <a:p>
+            <a:pPr marL="0" indent="0">
+              <a:buNone/>
+            </a:pPr>
+            <a:r>
+              <a:rPr lang="en-US" dirty="0"/>
+              <a:t>}</a:t>
             </a:r>
           </a:p>
         </p:txBody>
@@ -5716,7 +6608,7 @@
     </p:spTree>
     <p:extLst>
       <p:ext uri="{BB962C8B-B14F-4D97-AF65-F5344CB8AC3E}">
-        <p14:creationId xmlns:p14="http://schemas.microsoft.com/office/powerpoint/2010/main" val="1566103428"/>
+        <p14:creationId xmlns:p14="http://schemas.microsoft.com/office/powerpoint/2010/main" val="3435791098"/>
       </p:ext>
     </p:extLst>
   </p:cSld>
